--- a/fastlane/metadata/android/en-US/images/phoneScreenshots/Screenshots.pptx
+++ b/fastlane/metadata/android/en-US/images/phoneScreenshots/Screenshots.pptx
@@ -8,8 +8,9 @@
     <p:sldId id="256" r:id="rId2"/>
     <p:sldId id="257" r:id="rId3"/>
     <p:sldId id="258" r:id="rId4"/>
-    <p:sldId id="259" r:id="rId5"/>
-    <p:sldId id="260" r:id="rId6"/>
+    <p:sldId id="261" r:id="rId5"/>
+    <p:sldId id="259" r:id="rId6"/>
+    <p:sldId id="260" r:id="rId7"/>
   </p:sldIdLst>
   <p:sldSz cx="6480175" cy="14039850"/>
   <p:notesSz cx="6858000" cy="9144000"/>
@@ -108,6 +109,11 @@
       </a:defRPr>
     </a:lvl9pPr>
   </p:defaultTextStyle>
+  <p:extLst>
+    <p:ext uri="{EFAFB233-063F-42B5-8137-9DF3F51BA10A}">
+      <p15:sldGuideLst xmlns:p15="http://schemas.microsoft.com/office/powerpoint/2012/main"/>
+    </p:ext>
+  </p:extLst>
 </p:presentation>
 </file>
 
@@ -258,7 +264,7 @@
           <a:p>
             <a:fld id="{40AC0228-AF82-4730-B5DE-7071E44C2B57}" type="datetimeFigureOut">
               <a:rPr lang="de-DE" smtClean="0"/>
-              <a:t>12.03.2021</a:t>
+              <a:t>24.01.2022</a:t>
             </a:fld>
             <a:endParaRPr lang="de-DE"/>
           </a:p>
@@ -456,7 +462,7 @@
           <a:p>
             <a:fld id="{40AC0228-AF82-4730-B5DE-7071E44C2B57}" type="datetimeFigureOut">
               <a:rPr lang="de-DE" smtClean="0"/>
-              <a:t>12.03.2021</a:t>
+              <a:t>24.01.2022</a:t>
             </a:fld>
             <a:endParaRPr lang="de-DE"/>
           </a:p>
@@ -664,7 +670,7 @@
           <a:p>
             <a:fld id="{40AC0228-AF82-4730-B5DE-7071E44C2B57}" type="datetimeFigureOut">
               <a:rPr lang="de-DE" smtClean="0"/>
-              <a:t>12.03.2021</a:t>
+              <a:t>24.01.2022</a:t>
             </a:fld>
             <a:endParaRPr lang="de-DE"/>
           </a:p>
@@ -862,7 +868,7 @@
           <a:p>
             <a:fld id="{40AC0228-AF82-4730-B5DE-7071E44C2B57}" type="datetimeFigureOut">
               <a:rPr lang="de-DE" smtClean="0"/>
-              <a:t>12.03.2021</a:t>
+              <a:t>24.01.2022</a:t>
             </a:fld>
             <a:endParaRPr lang="de-DE"/>
           </a:p>
@@ -1137,7 +1143,7 @@
           <a:p>
             <a:fld id="{40AC0228-AF82-4730-B5DE-7071E44C2B57}" type="datetimeFigureOut">
               <a:rPr lang="de-DE" smtClean="0"/>
-              <a:t>12.03.2021</a:t>
+              <a:t>24.01.2022</a:t>
             </a:fld>
             <a:endParaRPr lang="de-DE"/>
           </a:p>
@@ -1402,7 +1408,7 @@
           <a:p>
             <a:fld id="{40AC0228-AF82-4730-B5DE-7071E44C2B57}" type="datetimeFigureOut">
               <a:rPr lang="de-DE" smtClean="0"/>
-              <a:t>12.03.2021</a:t>
+              <a:t>24.01.2022</a:t>
             </a:fld>
             <a:endParaRPr lang="de-DE"/>
           </a:p>
@@ -1814,7 +1820,7 @@
           <a:p>
             <a:fld id="{40AC0228-AF82-4730-B5DE-7071E44C2B57}" type="datetimeFigureOut">
               <a:rPr lang="de-DE" smtClean="0"/>
-              <a:t>12.03.2021</a:t>
+              <a:t>24.01.2022</a:t>
             </a:fld>
             <a:endParaRPr lang="de-DE"/>
           </a:p>
@@ -1955,7 +1961,7 @@
           <a:p>
             <a:fld id="{40AC0228-AF82-4730-B5DE-7071E44C2B57}" type="datetimeFigureOut">
               <a:rPr lang="de-DE" smtClean="0"/>
-              <a:t>12.03.2021</a:t>
+              <a:t>24.01.2022</a:t>
             </a:fld>
             <a:endParaRPr lang="de-DE"/>
           </a:p>
@@ -2068,7 +2074,7 @@
           <a:p>
             <a:fld id="{40AC0228-AF82-4730-B5DE-7071E44C2B57}" type="datetimeFigureOut">
               <a:rPr lang="de-DE" smtClean="0"/>
-              <a:t>12.03.2021</a:t>
+              <a:t>24.01.2022</a:t>
             </a:fld>
             <a:endParaRPr lang="de-DE"/>
           </a:p>
@@ -2379,7 +2385,7 @@
           <a:p>
             <a:fld id="{40AC0228-AF82-4730-B5DE-7071E44C2B57}" type="datetimeFigureOut">
               <a:rPr lang="de-DE" smtClean="0"/>
-              <a:t>12.03.2021</a:t>
+              <a:t>24.01.2022</a:t>
             </a:fld>
             <a:endParaRPr lang="de-DE"/>
           </a:p>
@@ -2667,7 +2673,7 @@
           <a:p>
             <a:fld id="{40AC0228-AF82-4730-B5DE-7071E44C2B57}" type="datetimeFigureOut">
               <a:rPr lang="de-DE" smtClean="0"/>
-              <a:t>12.03.2021</a:t>
+              <a:t>24.01.2022</a:t>
             </a:fld>
             <a:endParaRPr lang="de-DE"/>
           </a:p>
@@ -2908,7 +2914,7 @@
           <a:p>
             <a:fld id="{40AC0228-AF82-4730-B5DE-7071E44C2B57}" type="datetimeFigureOut">
               <a:rPr lang="de-DE" smtClean="0"/>
-              <a:t>12.03.2021</a:t>
+              <a:t>24.01.2022</a:t>
             </a:fld>
             <a:endParaRPr lang="de-DE"/>
           </a:p>
@@ -3335,7 +3341,7 @@
       </p:grpSpPr>
       <p:pic>
         <p:nvPicPr>
-          <p:cNvPr id="5" name="Grafik 4" descr="Ein Bild, das Text, Monitor, Elektronik, iPod enthält.&#10;&#10;Automatisch generierte Beschreibung">
+          <p:cNvPr id="5" name="Grafik 4">
             <a:extLst>
               <a:ext uri="{FF2B5EF4-FFF2-40B4-BE49-F238E27FC236}">
                 <a16:creationId xmlns:a16="http://schemas.microsoft.com/office/drawing/2014/main" id="{FEE23932-EF42-483B-AF60-3320F306599C}"/>
@@ -3355,14 +3361,13 @@
               </a:ext>
             </a:extLst>
           </a:blip>
-          <a:stretch>
-            <a:fillRect/>
-          </a:stretch>
+          <a:srcRect/>
+          <a:stretch/>
         </p:blipFill>
         <p:spPr>
           <a:xfrm>
-            <a:off x="-506413" y="1638577"/>
-            <a:ext cx="7493000" cy="12845774"/>
+            <a:off x="321794" y="2663687"/>
+            <a:ext cx="5836586" cy="10795554"/>
           </a:xfrm>
           <a:prstGeom prst="rect">
             <a:avLst/>
@@ -3460,41 +3465,6 @@
           <a:chExt cx="0" cy="0"/>
         </a:xfrm>
       </p:grpSpPr>
-      <p:pic>
-        <p:nvPicPr>
-          <p:cNvPr id="5" name="Grafik 4">
-            <a:extLst>
-              <a:ext uri="{FF2B5EF4-FFF2-40B4-BE49-F238E27FC236}">
-                <a16:creationId xmlns:a16="http://schemas.microsoft.com/office/drawing/2014/main" id="{FEE23932-EF42-483B-AF60-3320F306599C}"/>
-              </a:ext>
-            </a:extLst>
-          </p:cNvPr>
-          <p:cNvPicPr>
-            <a:picLocks noChangeAspect="1"/>
-          </p:cNvPicPr>
-          <p:nvPr/>
-        </p:nvPicPr>
-        <p:blipFill>
-          <a:blip r:embed="rId2">
-            <a:extLst>
-              <a:ext uri="{28A0092B-C50C-407E-A947-70E740481C1C}">
-                <a14:useLocalDpi xmlns:a14="http://schemas.microsoft.com/office/drawing/2010/main" val="0"/>
-              </a:ext>
-            </a:extLst>
-          </a:blip>
-          <a:srcRect/>
-          <a:stretch/>
-        </p:blipFill>
-        <p:spPr>
-          <a:xfrm>
-            <a:off x="-506413" y="1638577"/>
-            <a:ext cx="7493000" cy="12845773"/>
-          </a:xfrm>
-          <a:prstGeom prst="rect">
-            <a:avLst/>
-          </a:prstGeom>
-        </p:spPr>
-      </p:pic>
       <p:sp>
         <p:nvSpPr>
           <p:cNvPr id="6" name="Textfeld 5">
@@ -3536,6 +3506,41 @@
           </a:p>
         </p:txBody>
       </p:sp>
+      <p:pic>
+        <p:nvPicPr>
+          <p:cNvPr id="4" name="Grafik 3">
+            <a:extLst>
+              <a:ext uri="{FF2B5EF4-FFF2-40B4-BE49-F238E27FC236}">
+                <a16:creationId xmlns:a16="http://schemas.microsoft.com/office/drawing/2014/main" id="{FB08E3B2-CEAA-46A3-9FED-0E2D628C01F8}"/>
+              </a:ext>
+            </a:extLst>
+          </p:cNvPr>
+          <p:cNvPicPr>
+            <a:picLocks noChangeAspect="1"/>
+          </p:cNvPicPr>
+          <p:nvPr/>
+        </p:nvPicPr>
+        <p:blipFill>
+          <a:blip r:embed="rId2">
+            <a:extLst>
+              <a:ext uri="{28A0092B-C50C-407E-A947-70E740481C1C}">
+                <a14:useLocalDpi xmlns:a14="http://schemas.microsoft.com/office/drawing/2010/main" val="0"/>
+              </a:ext>
+            </a:extLst>
+          </a:blip>
+          <a:srcRect/>
+          <a:stretch/>
+        </p:blipFill>
+        <p:spPr>
+          <a:xfrm>
+            <a:off x="321794" y="2663687"/>
+            <a:ext cx="5836585" cy="10795554"/>
+          </a:xfrm>
+          <a:prstGeom prst="rect">
+            <a:avLst/>
+          </a:prstGeom>
+        </p:spPr>
+      </p:pic>
     </p:spTree>
     <p:extLst>
       <p:ext uri="{BB962C8B-B14F-4D97-AF65-F5344CB8AC3E}">
@@ -3574,41 +3579,6 @@
           <a:chExt cx="0" cy="0"/>
         </a:xfrm>
       </p:grpSpPr>
-      <p:pic>
-        <p:nvPicPr>
-          <p:cNvPr id="5" name="Grafik 4">
-            <a:extLst>
-              <a:ext uri="{FF2B5EF4-FFF2-40B4-BE49-F238E27FC236}">
-                <a16:creationId xmlns:a16="http://schemas.microsoft.com/office/drawing/2014/main" id="{FEE23932-EF42-483B-AF60-3320F306599C}"/>
-              </a:ext>
-            </a:extLst>
-          </p:cNvPr>
-          <p:cNvPicPr>
-            <a:picLocks noChangeAspect="1"/>
-          </p:cNvPicPr>
-          <p:nvPr/>
-        </p:nvPicPr>
-        <p:blipFill>
-          <a:blip r:embed="rId2">
-            <a:extLst>
-              <a:ext uri="{28A0092B-C50C-407E-A947-70E740481C1C}">
-                <a14:useLocalDpi xmlns:a14="http://schemas.microsoft.com/office/drawing/2010/main" val="0"/>
-              </a:ext>
-            </a:extLst>
-          </a:blip>
-          <a:srcRect/>
-          <a:stretch/>
-        </p:blipFill>
-        <p:spPr>
-          <a:xfrm>
-            <a:off x="-506413" y="1638577"/>
-            <a:ext cx="7493000" cy="12845773"/>
-          </a:xfrm>
-          <a:prstGeom prst="rect">
-            <a:avLst/>
-          </a:prstGeom>
-        </p:spPr>
-      </p:pic>
       <p:sp>
         <p:nvSpPr>
           <p:cNvPr id="6" name="Textfeld 5">
@@ -3662,6 +3632,41 @@
           </a:p>
         </p:txBody>
       </p:sp>
+      <p:pic>
+        <p:nvPicPr>
+          <p:cNvPr id="4" name="Grafik 3">
+            <a:extLst>
+              <a:ext uri="{FF2B5EF4-FFF2-40B4-BE49-F238E27FC236}">
+                <a16:creationId xmlns:a16="http://schemas.microsoft.com/office/drawing/2014/main" id="{F9DDB540-51E4-4FDE-8073-BF520D6B21E9}"/>
+              </a:ext>
+            </a:extLst>
+          </p:cNvPr>
+          <p:cNvPicPr>
+            <a:picLocks noChangeAspect="1"/>
+          </p:cNvPicPr>
+          <p:nvPr/>
+        </p:nvPicPr>
+        <p:blipFill>
+          <a:blip r:embed="rId2">
+            <a:extLst>
+              <a:ext uri="{28A0092B-C50C-407E-A947-70E740481C1C}">
+                <a14:useLocalDpi xmlns:a14="http://schemas.microsoft.com/office/drawing/2010/main" val="0"/>
+              </a:ext>
+            </a:extLst>
+          </a:blip>
+          <a:srcRect/>
+          <a:stretch/>
+        </p:blipFill>
+        <p:spPr>
+          <a:xfrm>
+            <a:off x="321794" y="2663687"/>
+            <a:ext cx="5836585" cy="10795554"/>
+          </a:xfrm>
+          <a:prstGeom prst="rect">
+            <a:avLst/>
+          </a:prstGeom>
+        </p:spPr>
+      </p:pic>
     </p:spTree>
     <p:extLst>
       <p:ext uri="{BB962C8B-B14F-4D97-AF65-F5344CB8AC3E}">
@@ -3700,41 +3705,6 @@
           <a:chExt cx="0" cy="0"/>
         </a:xfrm>
       </p:grpSpPr>
-      <p:pic>
-        <p:nvPicPr>
-          <p:cNvPr id="5" name="Grafik 4">
-            <a:extLst>
-              <a:ext uri="{FF2B5EF4-FFF2-40B4-BE49-F238E27FC236}">
-                <a16:creationId xmlns:a16="http://schemas.microsoft.com/office/drawing/2014/main" id="{FEE23932-EF42-483B-AF60-3320F306599C}"/>
-              </a:ext>
-            </a:extLst>
-          </p:cNvPr>
-          <p:cNvPicPr>
-            <a:picLocks noChangeAspect="1"/>
-          </p:cNvPicPr>
-          <p:nvPr/>
-        </p:nvPicPr>
-        <p:blipFill>
-          <a:blip r:embed="rId2">
-            <a:extLst>
-              <a:ext uri="{28A0092B-C50C-407E-A947-70E740481C1C}">
-                <a14:useLocalDpi xmlns:a14="http://schemas.microsoft.com/office/drawing/2010/main" val="0"/>
-              </a:ext>
-            </a:extLst>
-          </a:blip>
-          <a:srcRect/>
-          <a:stretch/>
-        </p:blipFill>
-        <p:spPr>
-          <a:xfrm>
-            <a:off x="-506413" y="1638577"/>
-            <a:ext cx="7493000" cy="12845773"/>
-          </a:xfrm>
-          <a:prstGeom prst="rect">
-            <a:avLst/>
-          </a:prstGeom>
-        </p:spPr>
-      </p:pic>
       <p:sp>
         <p:nvSpPr>
           <p:cNvPr id="6" name="Textfeld 5">
@@ -3771,7 +3741,7 @@
                 </a:solidFill>
                 <a:latin typeface="Product Sans" panose="020B0403030502040203" pitchFamily="34" charset="0"/>
               </a:rPr>
-              <a:t>Turn it black</a:t>
+              <a:t>Easily save </a:t>
             </a:r>
           </a:p>
           <a:p>
@@ -3783,15 +3753,50 @@
                 </a:solidFill>
                 <a:latin typeface="Product Sans" panose="020B0403030502040203" pitchFamily="34" charset="0"/>
               </a:rPr>
-              <a:t>thanks to dark mode</a:t>
-            </a:r>
-          </a:p>
-        </p:txBody>
-      </p:sp>
+              <a:t>received files</a:t>
+            </a:r>
+          </a:p>
+        </p:txBody>
+      </p:sp>
+      <p:pic>
+        <p:nvPicPr>
+          <p:cNvPr id="4" name="Grafik 3">
+            <a:extLst>
+              <a:ext uri="{FF2B5EF4-FFF2-40B4-BE49-F238E27FC236}">
+                <a16:creationId xmlns:a16="http://schemas.microsoft.com/office/drawing/2014/main" id="{F9DDB540-51E4-4FDE-8073-BF520D6B21E9}"/>
+              </a:ext>
+            </a:extLst>
+          </p:cNvPr>
+          <p:cNvPicPr>
+            <a:picLocks noChangeAspect="1"/>
+          </p:cNvPicPr>
+          <p:nvPr/>
+        </p:nvPicPr>
+        <p:blipFill>
+          <a:blip r:embed="rId2">
+            <a:extLst>
+              <a:ext uri="{28A0092B-C50C-407E-A947-70E740481C1C}">
+                <a14:useLocalDpi xmlns:a14="http://schemas.microsoft.com/office/drawing/2010/main" val="0"/>
+              </a:ext>
+            </a:extLst>
+          </a:blip>
+          <a:srcRect/>
+          <a:stretch/>
+        </p:blipFill>
+        <p:spPr>
+          <a:xfrm>
+            <a:off x="321794" y="2663688"/>
+            <a:ext cx="5836585" cy="10795552"/>
+          </a:xfrm>
+          <a:prstGeom prst="rect">
+            <a:avLst/>
+          </a:prstGeom>
+        </p:spPr>
+      </p:pic>
     </p:spTree>
     <p:extLst>
       <p:ext uri="{BB962C8B-B14F-4D97-AF65-F5344CB8AC3E}">
-        <p14:creationId xmlns:p14="http://schemas.microsoft.com/office/powerpoint/2010/main" val="3939269755"/>
+        <p14:creationId xmlns:p14="http://schemas.microsoft.com/office/powerpoint/2010/main" val="1374052618"/>
       </p:ext>
     </p:extLst>
   </p:cSld>
@@ -3826,41 +3831,6 @@
           <a:chExt cx="0" cy="0"/>
         </a:xfrm>
       </p:grpSpPr>
-      <p:pic>
-        <p:nvPicPr>
-          <p:cNvPr id="5" name="Grafik 4">
-            <a:extLst>
-              <a:ext uri="{FF2B5EF4-FFF2-40B4-BE49-F238E27FC236}">
-                <a16:creationId xmlns:a16="http://schemas.microsoft.com/office/drawing/2014/main" id="{FEE23932-EF42-483B-AF60-3320F306599C}"/>
-              </a:ext>
-            </a:extLst>
-          </p:cNvPr>
-          <p:cNvPicPr>
-            <a:picLocks noChangeAspect="1"/>
-          </p:cNvPicPr>
-          <p:nvPr/>
-        </p:nvPicPr>
-        <p:blipFill>
-          <a:blip r:embed="rId2">
-            <a:extLst>
-              <a:ext uri="{28A0092B-C50C-407E-A947-70E740481C1C}">
-                <a14:useLocalDpi xmlns:a14="http://schemas.microsoft.com/office/drawing/2010/main" val="0"/>
-              </a:ext>
-            </a:extLst>
-          </a:blip>
-          <a:srcRect/>
-          <a:stretch/>
-        </p:blipFill>
-        <p:spPr>
-          <a:xfrm>
-            <a:off x="-506413" y="1638577"/>
-            <a:ext cx="7492999" cy="12845773"/>
-          </a:xfrm>
-          <a:prstGeom prst="rect">
-            <a:avLst/>
-          </a:prstGeom>
-        </p:spPr>
-      </p:pic>
       <p:sp>
         <p:nvSpPr>
           <p:cNvPr id="6" name="Textfeld 5">
@@ -3897,6 +3867,132 @@
                 </a:solidFill>
                 <a:latin typeface="Product Sans" panose="020B0403030502040203" pitchFamily="34" charset="0"/>
               </a:rPr>
+              <a:t>Turn it black</a:t>
+            </a:r>
+          </a:p>
+          <a:p>
+            <a:pPr algn="ctr"/>
+            <a:r>
+              <a:rPr lang="en-US" sz="4800" dirty="0">
+                <a:solidFill>
+                  <a:schemeClr val="bg1"/>
+                </a:solidFill>
+                <a:latin typeface="Product Sans" panose="020B0403030502040203" pitchFamily="34" charset="0"/>
+              </a:rPr>
+              <a:t>thanks to dark mode</a:t>
+            </a:r>
+          </a:p>
+        </p:txBody>
+      </p:sp>
+      <p:pic>
+        <p:nvPicPr>
+          <p:cNvPr id="4" name="Grafik 3">
+            <a:extLst>
+              <a:ext uri="{FF2B5EF4-FFF2-40B4-BE49-F238E27FC236}">
+                <a16:creationId xmlns:a16="http://schemas.microsoft.com/office/drawing/2014/main" id="{79597FA4-1567-45AC-B6AA-1D8BEB78ED7E}"/>
+              </a:ext>
+            </a:extLst>
+          </p:cNvPr>
+          <p:cNvPicPr>
+            <a:picLocks noChangeAspect="1"/>
+          </p:cNvPicPr>
+          <p:nvPr/>
+        </p:nvPicPr>
+        <p:blipFill>
+          <a:blip r:embed="rId2">
+            <a:extLst>
+              <a:ext uri="{28A0092B-C50C-407E-A947-70E740481C1C}">
+                <a14:useLocalDpi xmlns:a14="http://schemas.microsoft.com/office/drawing/2010/main" val="0"/>
+              </a:ext>
+            </a:extLst>
+          </a:blip>
+          <a:srcRect/>
+          <a:stretch/>
+        </p:blipFill>
+        <p:spPr>
+          <a:xfrm>
+            <a:off x="321794" y="2663687"/>
+            <a:ext cx="5836585" cy="10795554"/>
+          </a:xfrm>
+          <a:prstGeom prst="rect">
+            <a:avLst/>
+          </a:prstGeom>
+        </p:spPr>
+      </p:pic>
+    </p:spTree>
+    <p:extLst>
+      <p:ext uri="{BB962C8B-B14F-4D97-AF65-F5344CB8AC3E}">
+        <p14:creationId xmlns:p14="http://schemas.microsoft.com/office/powerpoint/2010/main" val="3939269755"/>
+      </p:ext>
+    </p:extLst>
+  </p:cSld>
+  <p:clrMapOvr>
+    <a:masterClrMapping/>
+  </p:clrMapOvr>
+</p:sld>
+</file>
+
+<file path=ppt/slides/slide6.xml><?xml version="1.0" encoding="utf-8"?>
+<p:sld xmlns:a="http://schemas.openxmlformats.org/drawingml/2006/main" xmlns:r="http://schemas.openxmlformats.org/officeDocument/2006/relationships" xmlns:p="http://schemas.openxmlformats.org/presentationml/2006/main">
+  <p:cSld>
+    <p:bg>
+      <p:bgPr>
+        <a:solidFill>
+          <a:srgbClr val="4285F4"/>
+        </a:solidFill>
+        <a:effectLst/>
+      </p:bgPr>
+    </p:bg>
+    <p:spTree>
+      <p:nvGrpSpPr>
+        <p:cNvPr id="1" name=""/>
+        <p:cNvGrpSpPr/>
+        <p:nvPr/>
+      </p:nvGrpSpPr>
+      <p:grpSpPr>
+        <a:xfrm>
+          <a:off x="0" y="0"/>
+          <a:ext cx="0" cy="0"/>
+          <a:chOff x="0" y="0"/>
+          <a:chExt cx="0" cy="0"/>
+        </a:xfrm>
+      </p:grpSpPr>
+      <p:sp>
+        <p:nvSpPr>
+          <p:cNvPr id="6" name="Textfeld 5">
+            <a:extLst>
+              <a:ext uri="{FF2B5EF4-FFF2-40B4-BE49-F238E27FC236}">
+                <a16:creationId xmlns:a16="http://schemas.microsoft.com/office/drawing/2014/main" id="{8F8C75ED-D08C-4424-A2F8-46574B569231}"/>
+              </a:ext>
+            </a:extLst>
+          </p:cNvPr>
+          <p:cNvSpPr txBox="1"/>
+          <p:nvPr/>
+        </p:nvSpPr>
+        <p:spPr>
+          <a:xfrm>
+            <a:off x="0" y="533400"/>
+            <a:ext cx="6480175" cy="1569660"/>
+          </a:xfrm>
+          <a:prstGeom prst="rect">
+            <a:avLst/>
+          </a:prstGeom>
+          <a:noFill/>
+        </p:spPr>
+        <p:txBody>
+          <a:bodyPr wrap="square" rtlCol="0">
+            <a:spAutoFit/>
+          </a:bodyPr>
+          <a:lstStyle/>
+          <a:p>
+            <a:pPr algn="ctr"/>
+            <a:r>
+              <a:rPr lang="en-US" sz="4800" dirty="0">
+                <a:solidFill>
+                  <a:schemeClr val="bg1"/>
+                </a:solidFill>
+                <a:latin typeface="Product Sans" panose="020B0403030502040203" pitchFamily="34" charset="0"/>
+              </a:rPr>
               <a:t>Personalize your </a:t>
             </a:r>
           </a:p>
@@ -3914,6 +4010,41 @@
           </a:p>
         </p:txBody>
       </p:sp>
+      <p:pic>
+        <p:nvPicPr>
+          <p:cNvPr id="4" name="Grafik 3">
+            <a:extLst>
+              <a:ext uri="{FF2B5EF4-FFF2-40B4-BE49-F238E27FC236}">
+                <a16:creationId xmlns:a16="http://schemas.microsoft.com/office/drawing/2014/main" id="{A211786E-6656-4762-9BB9-C1D9334BBA59}"/>
+              </a:ext>
+            </a:extLst>
+          </p:cNvPr>
+          <p:cNvPicPr>
+            <a:picLocks noChangeAspect="1"/>
+          </p:cNvPicPr>
+          <p:nvPr/>
+        </p:nvPicPr>
+        <p:blipFill>
+          <a:blip r:embed="rId2">
+            <a:extLst>
+              <a:ext uri="{28A0092B-C50C-407E-A947-70E740481C1C}">
+                <a14:useLocalDpi xmlns:a14="http://schemas.microsoft.com/office/drawing/2010/main" val="0"/>
+              </a:ext>
+            </a:extLst>
+          </a:blip>
+          <a:srcRect/>
+          <a:stretch/>
+        </p:blipFill>
+        <p:spPr>
+          <a:xfrm>
+            <a:off x="321794" y="2663687"/>
+            <a:ext cx="5836585" cy="10795554"/>
+          </a:xfrm>
+          <a:prstGeom prst="rect">
+            <a:avLst/>
+          </a:prstGeom>
+        </p:spPr>
+      </p:pic>
     </p:spTree>
     <p:extLst>
       <p:ext uri="{BB962C8B-B14F-4D97-AF65-F5344CB8AC3E}">
